--- a/Module-C-JPN-SPDX-Overview.pptx
+++ b/Module-C-JPN-SPDX-Overview.pptx
@@ -19747,7 +19747,8 @@
                 <a:solidFill>
                   <a:srgbClr val="000000"/>
                 </a:solidFill>
-                <a:ea typeface="Arial"/>
+                <a:latin typeface="ＭＳ Ｐゴシック" panose="020B0600070205080204" pitchFamily="50" charset="-128"/>
+                <a:ea typeface="ＭＳ Ｐゴシック" panose="020B0600070205080204" pitchFamily="50" charset="-128"/>
               </a:rPr>
               <a:t>Fossology</a:t>
             </a:r>
@@ -19756,7 +19757,8 @@
                 <a:solidFill>
                   <a:srgbClr val="000000"/>
                 </a:solidFill>
-                <a:ea typeface="Arial"/>
+                <a:latin typeface="ＭＳ Ｐゴシック" panose="020B0600070205080204" pitchFamily="50" charset="-128"/>
+                <a:ea typeface="ＭＳ Ｐゴシック" panose="020B0600070205080204" pitchFamily="50" charset="-128"/>
               </a:rPr>
               <a:t>はどう動かすか</a:t>
             </a:r>
@@ -19765,12 +19767,14 @@
                 <a:solidFill>
                   <a:srgbClr val="000000"/>
                 </a:solidFill>
-                <a:ea typeface="Arial"/>
+                <a:latin typeface="ＭＳ Ｐゴシック" panose="020B0600070205080204" pitchFamily="50" charset="-128"/>
+                <a:ea typeface="ＭＳ Ｐゴシック" panose="020B0600070205080204" pitchFamily="50" charset="-128"/>
               </a:rPr>
               <a:t>?</a:t>
             </a:r>
             <a:endParaRPr lang="en-US" sz="3200" b="0" strike="noStrike" spc="-1" dirty="0">
-              <a:latin typeface="Arial"/>
+              <a:latin typeface="ＭＳ Ｐゴシック" panose="020B0600070205080204" pitchFamily="50" charset="-128"/>
+              <a:ea typeface="ＭＳ Ｐゴシック" panose="020B0600070205080204" pitchFamily="50" charset="-128"/>
             </a:endParaRPr>
           </a:p>
         </p:txBody>
